--- a/Week 4 - Storage and Backup/Week_4_Slides.pptx
+++ b/Week 4 - Storage and Backup/Week_4_Slides.pptx
@@ -10,7 +10,7 @@
     <p:sldId id="258" r:id="rId9"/>
     <p:sldId id="259" r:id="rId10"/>
     <p:sldId id="260" r:id="rId11"/>
-    <p:sldId id="261" r:id="rId13"/>
+    <p:sldId id="261" r:id="rId12"/>
     <p:sldId id="262" r:id="rId14"/>
     <p:sldId id="263" r:id="rId15"/>
     <p:sldId id="264" r:id="rId16"/>
@@ -30,6 +30,7 @@
     <p:sldId id="278" r:id="rId30"/>
     <p:sldId id="279" r:id="rId31"/>
     <p:sldId id="280" r:id="rId32"/>
+    <p:sldId id="281" r:id="rId33"/>
   </p:sldIdLst>
   <p:sldSz cx="9144000" cy="6858000" type="screen4x3"/>
   <p:notesSz cx="6858000" cy="9144000"/>
@@ -5069,7 +5070,7 @@
               </a:defRPr>
             </a:pPr>
             <a:r>
-              <a:t>2.2 Hands-On LVM Commands</a:t>
+              <a:t>2.1 The LVM Hierarchy</a:t>
             </a:r>
           </a:p>
         </p:txBody>
@@ -5110,7 +5111,61 @@
               </a:defRPr>
             </a:pPr>
             <a:r>
-              <a:t>Proxmox uses LVM extensively. Here is how you manage it manually.</a:t>
+              <a:t>The hierarchy consists of three layers.</a:t>
+            </a:r>
+          </a:p>
+          <a:p>
+            <a:pPr>
+              <a:spcBef>
+                <a:spcPts val="800"/>
+              </a:spcBef>
+              <a:spcAft>
+                <a:spcPts val="800"/>
+              </a:spcAft>
+              <a:defRPr sz="2000">
+                <a:solidFill>
+                  <a:srgbClr val="FFFFFF"/>
+                </a:solidFill>
+              </a:defRPr>
+            </a:pPr>
+            <a:r>
+              <a:t>At the foundation is the Physical Volume (PV), which represents the actual disk or partition (for example, /dev/sdb).</a:t>
+            </a:r>
+          </a:p>
+          <a:p>
+            <a:pPr>
+              <a:spcBef>
+                <a:spcPts val="800"/>
+              </a:spcBef>
+              <a:spcAft>
+                <a:spcPts val="800"/>
+              </a:spcAft>
+              <a:defRPr sz="2000">
+                <a:solidFill>
+                  <a:srgbClr val="FFFFFF"/>
+                </a:solidFill>
+              </a:defRPr>
+            </a:pPr>
+            <a:r>
+              <a:t>These physical volumes are then combined into a Volume Group (VG), which acts as a unified storage pool—for instance, a data_pool might aggregate multiple drives to provide 500GB of total capacity.</a:t>
+            </a:r>
+          </a:p>
+          <a:p>
+            <a:pPr>
+              <a:spcBef>
+                <a:spcPts val="800"/>
+              </a:spcBef>
+              <a:spcAft>
+                <a:spcPts val="800"/>
+              </a:spcAft>
+              <a:defRPr sz="2000">
+                <a:solidFill>
+                  <a:srgbClr val="FFFFFF"/>
+                </a:solidFill>
+              </a:defRPr>
+            </a:pPr>
+            <a:r>
+              <a:t>Finally, Logical Volumes (LV) are carved out from the volume group and allocated for specific uses, such as vm-100-disk for a virtual machine.</a:t>
             </a:r>
           </a:p>
         </p:txBody>
@@ -5195,7 +5250,7 @@
               </a:defRPr>
             </a:pPr>
             <a:r>
-              <a:t>Section 2 Checkpoint</a:t>
+              <a:t>2.2 Hands-On LVM Commands</a:t>
             </a:r>
           </a:p>
         </p:txBody>
@@ -5236,7 +5291,7 @@
               </a:defRPr>
             </a:pPr>
             <a:r>
-              <a:t>Red Hat LVM Administration</a:t>
+              <a:t>Proxmox uses LVM extensively. Here is how you manage it manually.</a:t>
             </a:r>
           </a:p>
         </p:txBody>
@@ -5250,6 +5305,132 @@
 </file>
 
 <file path=ppt/slides/slide12.xml><?xml version="1.0" encoding="utf-8"?>
+<p:sld xmlns:a="http://schemas.openxmlformats.org/drawingml/2006/main" xmlns:p="http://schemas.openxmlformats.org/presentationml/2006/main" xmlns:r="http://schemas.openxmlformats.org/officeDocument/2006/relationships">
+  <p:cSld>
+    <p:bg>
+      <p:bgPr>
+        <a:solidFill>
+          <a:srgbClr val="142A46"/>
+        </a:solidFill>
+        <a:effectLst/>
+      </p:bgPr>
+    </p:bg>
+    <p:spTree>
+      <p:nvGrpSpPr>
+        <p:cNvPr id="1" name=""/>
+        <p:cNvGrpSpPr/>
+        <p:nvPr/>
+      </p:nvGrpSpPr>
+      <p:grpSpPr/>
+      <p:pic>
+        <p:nvPicPr>
+          <p:cNvPr id="2" name="Picture 1" descr="ops3_logo.png"/>
+          <p:cNvPicPr>
+            <a:picLocks noChangeAspect="1"/>
+          </p:cNvPicPr>
+          <p:nvPr/>
+        </p:nvPicPr>
+        <p:blipFill>
+          <a:blip r:embed="rId2"/>
+          <a:stretch>
+            <a:fillRect/>
+          </a:stretch>
+        </p:blipFill>
+        <p:spPr>
+          <a:xfrm>
+            <a:off x="274320" y="274320"/>
+            <a:ext cx="581649" cy="548640"/>
+          </a:xfrm>
+          <a:prstGeom prst="rect">
+            <a:avLst/>
+          </a:prstGeom>
+        </p:spPr>
+      </p:pic>
+      <p:sp>
+        <p:nvSpPr>
+          <p:cNvPr id="3" name="TextBox 2"/>
+          <p:cNvSpPr txBox="1"/>
+          <p:nvPr/>
+        </p:nvSpPr>
+        <p:spPr>
+          <a:xfrm>
+            <a:off x="457200" y="914400"/>
+            <a:ext cx="8229600" cy="640080"/>
+          </a:xfrm>
+          <a:prstGeom prst="rect">
+            <a:avLst/>
+          </a:prstGeom>
+          <a:noFill/>
+        </p:spPr>
+        <p:txBody>
+          <a:bodyPr wrap="none">
+            <a:spAutoFit/>
+          </a:bodyPr>
+          <a:lstStyle/>
+          <a:p>
+            <a:pPr>
+              <a:defRPr sz="3200" b="1">
+                <a:solidFill>
+                  <a:srgbClr val="C9984A"/>
+                </a:solidFill>
+              </a:defRPr>
+            </a:pPr>
+            <a:r>
+              <a:t>Section 2 Checkpoint</a:t>
+            </a:r>
+          </a:p>
+        </p:txBody>
+      </p:sp>
+      <p:sp>
+        <p:nvSpPr>
+          <p:cNvPr id="4" name="TextBox 3"/>
+          <p:cNvSpPr txBox="1"/>
+          <p:nvPr/>
+        </p:nvSpPr>
+        <p:spPr>
+          <a:xfrm>
+            <a:off x="731520" y="1737360"/>
+            <a:ext cx="7680960" cy="4389120"/>
+          </a:xfrm>
+          <a:prstGeom prst="rect">
+            <a:avLst/>
+          </a:prstGeom>
+          <a:noFill/>
+        </p:spPr>
+        <p:txBody>
+          <a:bodyPr wrap="square">
+            <a:spAutoFit/>
+          </a:bodyPr>
+          <a:lstStyle/>
+          <a:p>
+            <a:pPr>
+              <a:spcBef>
+                <a:spcPts val="800"/>
+              </a:spcBef>
+              <a:spcAft>
+                <a:spcPts val="800"/>
+              </a:spcAft>
+              <a:defRPr sz="2000">
+                <a:solidFill>
+                  <a:srgbClr val="FFFFFF"/>
+                </a:solidFill>
+              </a:defRPr>
+            </a:pPr>
+            <a:r>
+              <a:t>Red Hat LVM Administration</a:t>
+            </a:r>
+          </a:p>
+        </p:txBody>
+      </p:sp>
+    </p:spTree>
+  </p:cSld>
+  <p:clrMapOvr>
+    <a:masterClrMapping/>
+  </p:clrMapOvr>
+</p:sld>
+</file>
+
+<file path=ppt/slides/slide13.xml><?xml version="1.0" encoding="utf-8"?>
 <p:sld xmlns:a="http://schemas.openxmlformats.org/drawingml/2006/main" xmlns:p="http://schemas.openxmlformats.org/presentationml/2006/main" xmlns:r="http://schemas.openxmlformats.org/officeDocument/2006/relationships">
   <p:cSld>
     <p:bg>
@@ -5322,204 +5503,6 @@
             </a:pPr>
             <a:r>
               <a:t>3. ZFS: The Enterprise Standard (New Material)</a:t>
-            </a:r>
-          </a:p>
-        </p:txBody>
-      </p:sp>
-    </p:spTree>
-  </p:cSld>
-  <p:clrMapOvr>
-    <a:masterClrMapping/>
-  </p:clrMapOvr>
-</p:sld>
-</file>
-
-<file path=ppt/slides/slide13.xml><?xml version="1.0" encoding="utf-8"?>
-<p:sld xmlns:a="http://schemas.openxmlformats.org/drawingml/2006/main" xmlns:p="http://schemas.openxmlformats.org/presentationml/2006/main" xmlns:r="http://schemas.openxmlformats.org/officeDocument/2006/relationships">
-  <p:cSld>
-    <p:bg>
-      <p:bgPr>
-        <a:solidFill>
-          <a:srgbClr val="142A46"/>
-        </a:solidFill>
-        <a:effectLst/>
-      </p:bgPr>
-    </p:bg>
-    <p:spTree>
-      <p:nvGrpSpPr>
-        <p:cNvPr id="1" name=""/>
-        <p:cNvGrpSpPr/>
-        <p:nvPr/>
-      </p:nvGrpSpPr>
-      <p:grpSpPr/>
-      <p:pic>
-        <p:nvPicPr>
-          <p:cNvPr id="2" name="Picture 1" descr="ops3_logo.png"/>
-          <p:cNvPicPr>
-            <a:picLocks noChangeAspect="1"/>
-          </p:cNvPicPr>
-          <p:nvPr/>
-        </p:nvPicPr>
-        <p:blipFill>
-          <a:blip r:embed="rId2"/>
-          <a:stretch>
-            <a:fillRect/>
-          </a:stretch>
-        </p:blipFill>
-        <p:spPr>
-          <a:xfrm>
-            <a:off x="274320" y="274320"/>
-            <a:ext cx="581649" cy="548640"/>
-          </a:xfrm>
-          <a:prstGeom prst="rect">
-            <a:avLst/>
-          </a:prstGeom>
-        </p:spPr>
-      </p:pic>
-      <p:sp>
-        <p:nvSpPr>
-          <p:cNvPr id="3" name="TextBox 2"/>
-          <p:cNvSpPr txBox="1"/>
-          <p:nvPr/>
-        </p:nvSpPr>
-        <p:spPr>
-          <a:xfrm>
-            <a:off x="457200" y="914400"/>
-            <a:ext cx="8229600" cy="640080"/>
-          </a:xfrm>
-          <a:prstGeom prst="rect">
-            <a:avLst/>
-          </a:prstGeom>
-          <a:noFill/>
-        </p:spPr>
-        <p:txBody>
-          <a:bodyPr wrap="none">
-            <a:spAutoFit/>
-          </a:bodyPr>
-          <a:lstStyle/>
-          <a:p>
-            <a:pPr>
-              <a:defRPr sz="3200" b="1">
-                <a:solidFill>
-                  <a:srgbClr val="C9984A"/>
-                </a:solidFill>
-              </a:defRPr>
-            </a:pPr>
-            <a:r>
-              <a:t>3.1 Why ZFS? (Part 1)</a:t>
-            </a:r>
-          </a:p>
-        </p:txBody>
-      </p:sp>
-      <p:sp>
-        <p:nvSpPr>
-          <p:cNvPr id="4" name="TextBox 3"/>
-          <p:cNvSpPr txBox="1"/>
-          <p:nvPr/>
-        </p:nvSpPr>
-        <p:spPr>
-          <a:xfrm>
-            <a:off x="731520" y="1737360"/>
-            <a:ext cx="7680960" cy="4389120"/>
-          </a:xfrm>
-          <a:prstGeom prst="rect">
-            <a:avLst/>
-          </a:prstGeom>
-          <a:noFill/>
-        </p:spPr>
-        <p:txBody>
-          <a:bodyPr wrap="square">
-            <a:spAutoFit/>
-          </a:bodyPr>
-          <a:lstStyle/>
-          <a:p>
-            <a:pPr>
-              <a:spcBef>
-                <a:spcPts val="800"/>
-              </a:spcBef>
-              <a:spcAft>
-                <a:spcPts val="800"/>
-              </a:spcAft>
-              <a:defRPr sz="2000">
-                <a:solidFill>
-                  <a:srgbClr val="FFFFFF"/>
-                </a:solidFill>
-              </a:defRPr>
-            </a:pPr>
-            <a:r>
-              <a:t>Copy-on-Write (CoW) is one of ZFS's foundational design principles.</a:t>
-            </a:r>
-          </a:p>
-          <a:p>
-            <a:pPr>
-              <a:spcBef>
-                <a:spcPts val="800"/>
-              </a:spcBef>
-              <a:spcAft>
-                <a:spcPts val="800"/>
-              </a:spcAft>
-              <a:defRPr sz="2000">
-                <a:solidFill>
-                  <a:srgbClr val="FFFFFF"/>
-                </a:solidFill>
-              </a:defRPr>
-            </a:pPr>
-            <a:r>
-              <a:t>When you edit a file, ZFS does not overwrite the old data in place.</a:t>
-            </a:r>
-          </a:p>
-          <a:p>
-            <a:pPr>
-              <a:spcBef>
-                <a:spcPts val="800"/>
-              </a:spcBef>
-              <a:spcAft>
-                <a:spcPts val="800"/>
-              </a:spcAft>
-              <a:defRPr sz="2000">
-                <a:solidFill>
-                  <a:srgbClr val="FFFFFF"/>
-                </a:solidFill>
-              </a:defRPr>
-            </a:pPr>
-            <a:r>
-              <a:t>Instead, it writes the new data to a fresh block on the disk and then updates the pointer to reference the new location.</a:t>
-            </a:r>
-          </a:p>
-          <a:p>
-            <a:pPr>
-              <a:spcBef>
-                <a:spcPts val="800"/>
-              </a:spcBef>
-              <a:spcAft>
-                <a:spcPts val="800"/>
-              </a:spcAft>
-              <a:defRPr sz="2000">
-                <a:solidFill>
-                  <a:srgbClr val="FFFFFF"/>
-                </a:solidFill>
-              </a:defRPr>
-            </a:pPr>
-            <a:r>
-              <a:t>The benefit of this approach is profound: if power fails during a write operation, the old data remains valid and intact.</a:t>
-            </a:r>
-          </a:p>
-          <a:p>
-            <a:pPr>
-              <a:spcBef>
-                <a:spcPts val="800"/>
-              </a:spcBef>
-              <a:spcAft>
-                <a:spcPts val="800"/>
-              </a:spcAft>
-              <a:defRPr sz="2000">
-                <a:solidFill>
-                  <a:srgbClr val="FFFFFF"/>
-                </a:solidFill>
-              </a:defRPr>
-            </a:pPr>
-            <a:r>
-              <a:t>There is no corruption because the original block is never destroyed until the write is confirmed to be successful.</a:t>
             </a:r>
           </a:p>
         </p:txBody>
@@ -5604,7 +5587,7 @@
               </a:defRPr>
             </a:pPr>
             <a:r>
-              <a:t>3.1 Why ZFS? (Part 2)</a:t>
+              <a:t>3.1 Why ZFS? (Part 1)</a:t>
             </a:r>
           </a:p>
         </p:txBody>
@@ -5645,7 +5628,7 @@
               </a:defRPr>
             </a:pPr>
             <a:r>
-              <a:t>Self-Healing is another critical feature of ZFS.</a:t>
+              <a:t>Copy-on-Write (CoW) is one of ZFS's foundational design principles.</a:t>
             </a:r>
           </a:p>
           <a:p>
@@ -5663,7 +5646,7 @@
               </a:defRPr>
             </a:pPr>
             <a:r>
-              <a:t>The filesystem stores a cryptographic checksum (a digital fingerprint) for every block of data.</a:t>
+              <a:t>When you edit a file, ZFS does not overwrite the old data in place.</a:t>
             </a:r>
           </a:p>
           <a:p>
@@ -5681,7 +5664,7 @@
               </a:defRPr>
             </a:pPr>
             <a:r>
-              <a:t>If a cosmic ray flips a bit on your drive—an event known as bit rot—ZFS detects the mismatch between the data and its checksum.</a:t>
+              <a:t>Instead, it writes the new data to a fresh block on the disk and then updates the pointer to reference the new location.</a:t>
             </a:r>
           </a:p>
           <a:p>
@@ -5699,7 +5682,25 @@
               </a:defRPr>
             </a:pPr>
             <a:r>
-              <a:t>If redundancy exists (such as in a mirrored or RAID-Z configuration), ZFS automatically repairs the corrupted block by restoring it from a valid copy.</a:t>
+              <a:t>The benefit of this approach is profound: if power fails during a write operation, the old data remains valid and intact.</a:t>
+            </a:r>
+          </a:p>
+          <a:p>
+            <a:pPr>
+              <a:spcBef>
+                <a:spcPts val="800"/>
+              </a:spcBef>
+              <a:spcAft>
+                <a:spcPts val="800"/>
+              </a:spcAft>
+              <a:defRPr sz="2000">
+                <a:solidFill>
+                  <a:srgbClr val="FFFFFF"/>
+                </a:solidFill>
+              </a:defRPr>
+            </a:pPr>
+            <a:r>
+              <a:t>There is no corruption because the original block is never destroyed until the write is confirmed to be successful.</a:t>
             </a:r>
           </a:p>
         </p:txBody>
@@ -5784,7 +5785,7 @@
               </a:defRPr>
             </a:pPr>
             <a:r>
-              <a:t>3.2 Basic ZFS Commands</a:t>
+              <a:t>3.1 Why ZFS? (Part 2)</a:t>
             </a:r>
           </a:p>
         </p:txBody>
@@ -5825,7 +5826,61 @@
               </a:defRPr>
             </a:pPr>
             <a:r>
-              <a:t>Proxmox installs ZFS tools by default.</a:t>
+              <a:t>Self-Healing is another critical feature of ZFS.</a:t>
+            </a:r>
+          </a:p>
+          <a:p>
+            <a:pPr>
+              <a:spcBef>
+                <a:spcPts val="800"/>
+              </a:spcBef>
+              <a:spcAft>
+                <a:spcPts val="800"/>
+              </a:spcAft>
+              <a:defRPr sz="2000">
+                <a:solidFill>
+                  <a:srgbClr val="FFFFFF"/>
+                </a:solidFill>
+              </a:defRPr>
+            </a:pPr>
+            <a:r>
+              <a:t>The filesystem stores a cryptographic checksum (a digital fingerprint) for every block of data.</a:t>
+            </a:r>
+          </a:p>
+          <a:p>
+            <a:pPr>
+              <a:spcBef>
+                <a:spcPts val="800"/>
+              </a:spcBef>
+              <a:spcAft>
+                <a:spcPts val="800"/>
+              </a:spcAft>
+              <a:defRPr sz="2000">
+                <a:solidFill>
+                  <a:srgbClr val="FFFFFF"/>
+                </a:solidFill>
+              </a:defRPr>
+            </a:pPr>
+            <a:r>
+              <a:t>If a cosmic ray flips a bit on your drive—an event known as bit rot—ZFS detects the mismatch between the data and its checksum.</a:t>
+            </a:r>
+          </a:p>
+          <a:p>
+            <a:pPr>
+              <a:spcBef>
+                <a:spcPts val="800"/>
+              </a:spcBef>
+              <a:spcAft>
+                <a:spcPts val="800"/>
+              </a:spcAft>
+              <a:defRPr sz="2000">
+                <a:solidFill>
+                  <a:srgbClr val="FFFFFF"/>
+                </a:solidFill>
+              </a:defRPr>
+            </a:pPr>
+            <a:r>
+              <a:t>If redundancy exists (such as in a mirrored or RAID-Z configuration), ZFS automatically repairs the corrupted block by restoring it from a valid copy.</a:t>
             </a:r>
           </a:p>
         </p:txBody>
@@ -5910,7 +5965,7 @@
               </a:defRPr>
             </a:pPr>
             <a:r>
-              <a:t>3.3 The Power of Instant Snapshots</a:t>
+              <a:t>3.2 Basic ZFS Commands</a:t>
             </a:r>
           </a:p>
         </p:txBody>
@@ -5951,79 +6006,7 @@
               </a:defRPr>
             </a:pPr>
             <a:r>
-              <a:t>The Copy-on-Write architecture unlocks one of ZFS's most remarkable capabilities: instantaneous snapshots.</a:t>
-            </a:r>
-          </a:p>
-          <a:p>
-            <a:pPr>
-              <a:spcBef>
-                <a:spcPts val="800"/>
-              </a:spcBef>
-              <a:spcAft>
-                <a:spcPts val="800"/>
-              </a:spcAft>
-              <a:defRPr sz="2000">
-                <a:solidFill>
-                  <a:srgbClr val="FFFFFF"/>
-                </a:solidFill>
-              </a:defRPr>
-            </a:pPr>
-            <a:r>
-              <a:t>Unlike traditional backup systems that must copy gigabytes or terabytes of data (a process that can take hours), a ZFS snapshot is merely a metadata operation—a lightweight bookmark that marks the current state of the filesystem.</a:t>
-            </a:r>
-          </a:p>
-          <a:p>
-            <a:pPr>
-              <a:spcBef>
-                <a:spcPts val="800"/>
-              </a:spcBef>
-              <a:spcAft>
-                <a:spcPts val="800"/>
-              </a:spcAft>
-              <a:defRPr sz="2000">
-                <a:solidFill>
-                  <a:srgbClr val="FFFFFF"/>
-                </a:solidFill>
-              </a:defRPr>
-            </a:pPr>
-            <a:r>
-              <a:t>When you create a snapshot, ZFS doesn't duplicate any data blocks; it simply freezes a reference point in time.</a:t>
-            </a:r>
-          </a:p>
-          <a:p>
-            <a:pPr>
-              <a:spcBef>
-                <a:spcPts val="800"/>
-              </a:spcBef>
-              <a:spcAft>
-                <a:spcPts val="800"/>
-              </a:spcAft>
-              <a:defRPr sz="2000">
-                <a:solidFill>
-                  <a:srgbClr val="FFFFFF"/>
-                </a:solidFill>
-              </a:defRPr>
-            </a:pPr>
-            <a:r>
-              <a:t>The snapshot consumes zero disk space initially because it shares all its data blocks with the current filesystem.</a:t>
-            </a:r>
-          </a:p>
-          <a:p>
-            <a:pPr>
-              <a:spcBef>
-                <a:spcPts val="800"/>
-              </a:spcBef>
-              <a:spcAft>
-                <a:spcPts val="800"/>
-              </a:spcAft>
-              <a:defRPr sz="2000">
-                <a:solidFill>
-                  <a:srgbClr val="FFFFFF"/>
-                </a:solidFill>
-              </a:defRPr>
-            </a:pPr>
-            <a:r>
-              <a:t>Only when data begins to change does the snapshot start consuming space, as ZFS preserves the old blocks that the snapshot references while writing new data to fresh locations.</a:t>
+              <a:t>Proxmox installs ZFS tools by default.</a:t>
             </a:r>
           </a:p>
         </p:txBody>
@@ -6108,7 +6091,7 @@
               </a:defRPr>
             </a:pPr>
             <a:r>
-              <a:t>Section 3 Checkpoint</a:t>
+              <a:t>3.3 The Power of Instant Snapshots</a:t>
             </a:r>
           </a:p>
         </p:txBody>
@@ -6149,7 +6132,7 @@
               </a:defRPr>
             </a:pPr>
             <a:r>
-              <a:t>Summary: ZFS is a next-generation filesystem with RAID, Copy-on-Write, and checksumming built directly into its architecture.</a:t>
+              <a:t>The Copy-on-Write architecture unlocks one of ZFS's most remarkable capabilities: instantaneous snapshots.</a:t>
             </a:r>
           </a:p>
           <a:p>
@@ -6167,7 +6150,7 @@
               </a:defRPr>
             </a:pPr>
             <a:r>
-              <a:t>Its self-healing capability detects and fixes silent data corruption (commonly known as bit rot), while snapshots are instantaneous and consume zero space initially due to the Copy-on-Write mechanism.</a:t>
+              <a:t>Unlike traditional backup systems that must copy gigabytes or terabytes of data (a process that can take hours), a ZFS snapshot is merely a metadata operation—a lightweight bookmark that marks the current state of the filesystem.</a:t>
             </a:r>
           </a:p>
           <a:p>
@@ -6185,7 +6168,43 @@
               </a:defRPr>
             </a:pPr>
             <a:r>
-              <a:t>OpenZFS Documentation</a:t>
+              <a:t>When you create a snapshot, ZFS doesn't duplicate any data blocks; it simply freezes a reference point in time.</a:t>
+            </a:r>
+          </a:p>
+          <a:p>
+            <a:pPr>
+              <a:spcBef>
+                <a:spcPts val="800"/>
+              </a:spcBef>
+              <a:spcAft>
+                <a:spcPts val="800"/>
+              </a:spcAft>
+              <a:defRPr sz="2000">
+                <a:solidFill>
+                  <a:srgbClr val="FFFFFF"/>
+                </a:solidFill>
+              </a:defRPr>
+            </a:pPr>
+            <a:r>
+              <a:t>The snapshot consumes zero disk space initially because it shares all its data blocks with the current filesystem.</a:t>
+            </a:r>
+          </a:p>
+          <a:p>
+            <a:pPr>
+              <a:spcBef>
+                <a:spcPts val="800"/>
+              </a:spcBef>
+              <a:spcAft>
+                <a:spcPts val="800"/>
+              </a:spcAft>
+              <a:defRPr sz="2000">
+                <a:solidFill>
+                  <a:srgbClr val="FFFFFF"/>
+                </a:solidFill>
+              </a:defRPr>
+            </a:pPr>
+            <a:r>
+              <a:t>Only when data begins to change does the snapshot start consuming space, as ZFS preserves the old blocks that the snapshot references while writing new data to fresh locations.</a:t>
             </a:r>
           </a:p>
         </p:txBody>
@@ -6199,6 +6218,168 @@
 </file>
 
 <file path=ppt/slides/slide18.xml><?xml version="1.0" encoding="utf-8"?>
+<p:sld xmlns:a="http://schemas.openxmlformats.org/drawingml/2006/main" xmlns:p="http://schemas.openxmlformats.org/presentationml/2006/main" xmlns:r="http://schemas.openxmlformats.org/officeDocument/2006/relationships">
+  <p:cSld>
+    <p:bg>
+      <p:bgPr>
+        <a:solidFill>
+          <a:srgbClr val="142A46"/>
+        </a:solidFill>
+        <a:effectLst/>
+      </p:bgPr>
+    </p:bg>
+    <p:spTree>
+      <p:nvGrpSpPr>
+        <p:cNvPr id="1" name=""/>
+        <p:cNvGrpSpPr/>
+        <p:nvPr/>
+      </p:nvGrpSpPr>
+      <p:grpSpPr/>
+      <p:pic>
+        <p:nvPicPr>
+          <p:cNvPr id="2" name="Picture 1" descr="ops3_logo.png"/>
+          <p:cNvPicPr>
+            <a:picLocks noChangeAspect="1"/>
+          </p:cNvPicPr>
+          <p:nvPr/>
+        </p:nvPicPr>
+        <p:blipFill>
+          <a:blip r:embed="rId2"/>
+          <a:stretch>
+            <a:fillRect/>
+          </a:stretch>
+        </p:blipFill>
+        <p:spPr>
+          <a:xfrm>
+            <a:off x="274320" y="274320"/>
+            <a:ext cx="581649" cy="548640"/>
+          </a:xfrm>
+          <a:prstGeom prst="rect">
+            <a:avLst/>
+          </a:prstGeom>
+        </p:spPr>
+      </p:pic>
+      <p:sp>
+        <p:nvSpPr>
+          <p:cNvPr id="3" name="TextBox 2"/>
+          <p:cNvSpPr txBox="1"/>
+          <p:nvPr/>
+        </p:nvSpPr>
+        <p:spPr>
+          <a:xfrm>
+            <a:off x="457200" y="914400"/>
+            <a:ext cx="8229600" cy="640080"/>
+          </a:xfrm>
+          <a:prstGeom prst="rect">
+            <a:avLst/>
+          </a:prstGeom>
+          <a:noFill/>
+        </p:spPr>
+        <p:txBody>
+          <a:bodyPr wrap="none">
+            <a:spAutoFit/>
+          </a:bodyPr>
+          <a:lstStyle/>
+          <a:p>
+            <a:pPr>
+              <a:defRPr sz="3200" b="1">
+                <a:solidFill>
+                  <a:srgbClr val="C9984A"/>
+                </a:solidFill>
+              </a:defRPr>
+            </a:pPr>
+            <a:r>
+              <a:t>Section 3 Checkpoint</a:t>
+            </a:r>
+          </a:p>
+        </p:txBody>
+      </p:sp>
+      <p:sp>
+        <p:nvSpPr>
+          <p:cNvPr id="4" name="TextBox 3"/>
+          <p:cNvSpPr txBox="1"/>
+          <p:nvPr/>
+        </p:nvSpPr>
+        <p:spPr>
+          <a:xfrm>
+            <a:off x="731520" y="1737360"/>
+            <a:ext cx="7680960" cy="4389120"/>
+          </a:xfrm>
+          <a:prstGeom prst="rect">
+            <a:avLst/>
+          </a:prstGeom>
+          <a:noFill/>
+        </p:spPr>
+        <p:txBody>
+          <a:bodyPr wrap="square">
+            <a:spAutoFit/>
+          </a:bodyPr>
+          <a:lstStyle/>
+          <a:p>
+            <a:pPr>
+              <a:spcBef>
+                <a:spcPts val="800"/>
+              </a:spcBef>
+              <a:spcAft>
+                <a:spcPts val="800"/>
+              </a:spcAft>
+              <a:defRPr sz="2000">
+                <a:solidFill>
+                  <a:srgbClr val="FFFFFF"/>
+                </a:solidFill>
+              </a:defRPr>
+            </a:pPr>
+            <a:r>
+              <a:t>Summary: ZFS is a next-generation filesystem with RAID, Copy-on-Write, and checksumming built directly into its architecture.</a:t>
+            </a:r>
+          </a:p>
+          <a:p>
+            <a:pPr>
+              <a:spcBef>
+                <a:spcPts val="800"/>
+              </a:spcBef>
+              <a:spcAft>
+                <a:spcPts val="800"/>
+              </a:spcAft>
+              <a:defRPr sz="2000">
+                <a:solidFill>
+                  <a:srgbClr val="FFFFFF"/>
+                </a:solidFill>
+              </a:defRPr>
+            </a:pPr>
+            <a:r>
+              <a:t>Its self-healing capability detects and fixes silent data corruption (commonly known as bit rot), while snapshots are instantaneous and consume zero space initially due to the Copy-on-Write mechanism.</a:t>
+            </a:r>
+          </a:p>
+          <a:p>
+            <a:pPr>
+              <a:spcBef>
+                <a:spcPts val="800"/>
+              </a:spcBef>
+              <a:spcAft>
+                <a:spcPts val="800"/>
+              </a:spcAft>
+              <a:defRPr sz="2000">
+                <a:solidFill>
+                  <a:srgbClr val="FFFFFF"/>
+                </a:solidFill>
+              </a:defRPr>
+            </a:pPr>
+            <a:r>
+              <a:t>OpenZFS Documentation</a:t>
+            </a:r>
+          </a:p>
+        </p:txBody>
+      </p:sp>
+    </p:spTree>
+  </p:cSld>
+  <p:clrMapOvr>
+    <a:masterClrMapping/>
+  </p:clrMapOvr>
+</p:sld>
+</file>
+
+<file path=ppt/slides/slide19.xml><?xml version="1.0" encoding="utf-8"?>
 <p:sld xmlns:a="http://schemas.openxmlformats.org/drawingml/2006/main" xmlns:p="http://schemas.openxmlformats.org/presentationml/2006/main" xmlns:r="http://schemas.openxmlformats.org/officeDocument/2006/relationships">
   <p:cSld>
     <p:bg>
@@ -6283,7 +6464,7 @@
 </p:sld>
 </file>
 
-<file path=ppt/slides/slide19.xml><?xml version="1.0" encoding="utf-8"?>
+<file path=ppt/slides/slide2.xml><?xml version="1.0" encoding="utf-8"?>
 <p:sld xmlns:a="http://schemas.openxmlformats.org/drawingml/2006/main" xmlns:p="http://schemas.openxmlformats.org/presentationml/2006/main" xmlns:r="http://schemas.openxmlformats.org/officeDocument/2006/relationships">
   <p:cSld>
     <p:bg>
@@ -6348,14 +6529,14 @@
           <a:lstStyle/>
           <a:p>
             <a:pPr>
-              <a:defRPr sz="3200" b="1">
+              <a:defRPr sz="3600" b="1">
                 <a:solidFill>
                   <a:srgbClr val="C9984A"/>
                 </a:solidFill>
               </a:defRPr>
             </a:pPr>
             <a:r>
-              <a:t>4.1 Raw (.raw)</a:t>
+              <a:t>What You Will Learn This Week</a:t>
             </a:r>
           </a:p>
         </p:txBody>
@@ -6368,8 +6549,8 @@
         </p:nvSpPr>
         <p:spPr>
           <a:xfrm>
-            <a:off x="731520" y="1737360"/>
-            <a:ext cx="7680960" cy="4389120"/>
+            <a:off x="1097280" y="2011680"/>
+            <a:ext cx="6949440" cy="4114800"/>
           </a:xfrm>
           <a:prstGeom prst="rect">
             <a:avLst/>
@@ -6384,158 +6565,109 @@
           <a:p>
             <a:pPr>
               <a:spcBef>
-                <a:spcPts val="800"/>
+                <a:spcPts val="1000"/>
               </a:spcBef>
               <a:spcAft>
-                <a:spcPts val="800"/>
+                <a:spcPts val="1000"/>
               </a:spcAft>
-              <a:defRPr sz="2000">
+              <a:defRPr sz="2200">
                 <a:solidFill>
                   <a:srgbClr val="FFFFFF"/>
                 </a:solidFill>
               </a:defRPr>
             </a:pPr>
             <a:r>
-              <a:t>The Raw disk format is effectively a bit-for-bit representation of a hard drive without any additional metadata or container structure.</a:t>
+              <a:t>Understand welcome to week 4!</a:t>
             </a:r>
           </a:p>
           <a:p>
             <a:pPr>
               <a:spcBef>
-                <a:spcPts val="800"/>
+                <a:spcPts val="1000"/>
               </a:spcBef>
               <a:spcAft>
-                <a:spcPts val="800"/>
+                <a:spcPts val="1000"/>
               </a:spcAft>
-              <a:defRPr sz="2000">
+              <a:defRPr sz="2200">
                 <a:solidFill>
                   <a:srgbClr val="FFFFFF"/>
                 </a:solidFill>
               </a:defRPr>
             </a:pPr>
             <a:r>
-              <a:t>Because it lacks a translation layer, the file is read and written directly to the underlying block device, making it the most performant option available.</a:t>
+              <a:t>Understand what you'll learn this week</a:t>
             </a:r>
           </a:p>
           <a:p>
             <a:pPr>
               <a:spcBef>
-                <a:spcPts val="800"/>
+                <a:spcPts val="1000"/>
               </a:spcBef>
               <a:spcAft>
-                <a:spcPts val="800"/>
+                <a:spcPts val="1000"/>
               </a:spcAft>
-              <a:defRPr sz="2000">
+              <a:defRPr sz="2200">
                 <a:solidFill>
                   <a:srgbClr val="FFFFFF"/>
                 </a:solidFill>
               </a:defRPr>
             </a:pPr>
             <a:r>
-              <a:t>However, this simplicity comes at a cost; creating a 100GB Raw disk immediately consumes 100GB of physical space (unless sparse provisioning is strictly enforced), and it does not support advanced features like internal snapshots.</a:t>
+              <a:t>Understand 1. block devices and partitions</a:t>
             </a:r>
           </a:p>
           <a:p>
             <a:pPr>
               <a:spcBef>
-                <a:spcPts val="800"/>
+                <a:spcPts val="1000"/>
               </a:spcBef>
               <a:spcAft>
-                <a:spcPts val="800"/>
+                <a:spcPts val="1000"/>
               </a:spcAft>
-              <a:defRPr sz="2000">
+              <a:defRPr sz="2200">
                 <a:solidFill>
                   <a:srgbClr val="FFFFFF"/>
                 </a:solidFill>
               </a:defRPr>
             </a:pPr>
             <a:r>
-              <a:t>If you require snapshot capabilities with Raw disks, you must rely on the underlying storage system, such as LVM-Thin or ZFS, to handle them.</a:t>
-            </a:r>
-          </a:p>
-        </p:txBody>
-      </p:sp>
-    </p:spTree>
-  </p:cSld>
-  <p:clrMapOvr>
-    <a:masterClrMapping/>
-  </p:clrMapOvr>
-</p:sld>
-</file>
-
-<file path=ppt/slides/slide2.xml><?xml version="1.0" encoding="utf-8"?>
-<p:sld xmlns:a="http://schemas.openxmlformats.org/drawingml/2006/main" xmlns:p="http://schemas.openxmlformats.org/presentationml/2006/main" xmlns:r="http://schemas.openxmlformats.org/officeDocument/2006/relationships">
-  <p:cSld>
-    <p:bg>
-      <p:bgPr>
-        <a:solidFill>
-          <a:srgbClr val="1E3A5F"/>
-        </a:solidFill>
-        <a:effectLst/>
-      </p:bgPr>
-    </p:bg>
-    <p:spTree>
-      <p:nvGrpSpPr>
-        <p:cNvPr id="1" name=""/>
-        <p:cNvGrpSpPr/>
-        <p:nvPr/>
-      </p:nvGrpSpPr>
-      <p:grpSpPr/>
-      <p:pic>
-        <p:nvPicPr>
-          <p:cNvPr id="2" name="Picture 1" descr="ops3_logo.png"/>
-          <p:cNvPicPr>
-            <a:picLocks noChangeAspect="1"/>
-          </p:cNvPicPr>
-          <p:nvPr/>
-        </p:nvPicPr>
-        <p:blipFill>
-          <a:blip r:embed="rId2"/>
-          <a:stretch>
-            <a:fillRect/>
-          </a:stretch>
-        </p:blipFill>
-        <p:spPr>
-          <a:xfrm>
-            <a:off x="274320" y="274320"/>
-            <a:ext cx="581649" cy="548640"/>
-          </a:xfrm>
-          <a:prstGeom prst="rect">
-            <a:avLst/>
-          </a:prstGeom>
-        </p:spPr>
-      </p:pic>
-      <p:sp>
-        <p:nvSpPr>
-          <p:cNvPr id="3" name="TextBox 2"/>
-          <p:cNvSpPr txBox="1"/>
-          <p:nvPr/>
-        </p:nvSpPr>
-        <p:spPr>
-          <a:xfrm>
-            <a:off x="914400" y="2286000"/>
-            <a:ext cx="7315200" cy="1828800"/>
-          </a:xfrm>
-          <a:prstGeom prst="rect">
-            <a:avLst/>
-          </a:prstGeom>
-          <a:noFill/>
-        </p:spPr>
-        <p:txBody>
-          <a:bodyPr wrap="square">
-            <a:spAutoFit/>
-          </a:bodyPr>
-          <a:lstStyle/>
-          <a:p>
-            <a:pPr algn="ctr">
-              <a:defRPr sz="4800" b="1">
-                <a:solidFill>
-                  <a:srgbClr val="C9984A"/>
+              <a:t>Understand 2. logical volume manager (lvm)</a:t>
+            </a:r>
+          </a:p>
+          <a:p>
+            <a:pPr>
+              <a:spcBef>
+                <a:spcPts val="1000"/>
+              </a:spcBef>
+              <a:spcAft>
+                <a:spcPts val="1000"/>
+              </a:spcAft>
+              <a:defRPr sz="2200">
+                <a:solidFill>
+                  <a:srgbClr val="FFFFFF"/>
                 </a:solidFill>
               </a:defRPr>
             </a:pPr>
             <a:r>
-              <a:t>Welcome to Week 4!</a:t>
+              <a:t>Understand 3. zfs: the enterprise standard (new material)</a:t>
+            </a:r>
+          </a:p>
+          <a:p>
+            <a:pPr>
+              <a:spcBef>
+                <a:spcPts val="1000"/>
+              </a:spcBef>
+              <a:spcAft>
+                <a:spcPts val="1000"/>
+              </a:spcAft>
+              <a:defRPr sz="2200">
+                <a:solidFill>
+                  <a:srgbClr val="FFFFFF"/>
+                </a:solidFill>
+              </a:defRPr>
+            </a:pPr>
+            <a:r>
+              <a:t>Understand 4. virtual disk formats</a:t>
             </a:r>
           </a:p>
         </p:txBody>
@@ -6620,7 +6752,7 @@
               </a:defRPr>
             </a:pPr>
             <a:r>
-              <a:t>4.2 QCOW2 (QEMU Copy On Write)</a:t>
+              <a:t>4.1 Raw (.raw)</a:t>
             </a:r>
           </a:p>
         </p:txBody>
@@ -6661,7 +6793,7 @@
               </a:defRPr>
             </a:pPr>
             <a:r>
-              <a:t>QCOW2 is a functional, feature-rich format designed specifically for the QEMU emulator.</a:t>
+              <a:t>The Raw disk format is effectively a bit-for-bit representation of a hard drive without any additional metadata or container structure.</a:t>
             </a:r>
           </a:p>
           <a:p>
@@ -6679,7 +6811,7 @@
               </a:defRPr>
             </a:pPr>
             <a:r>
-              <a:t>Unlike Raw, it acts as an intelligent container that creates a layer of abstraction between the VM and the physical disk.</a:t>
+              <a:t>Because it lacks a translation layer, the file is read and written directly to the underlying block device, making it the most performant option available.</a:t>
             </a:r>
           </a:p>
           <a:p>
@@ -6697,7 +6829,7 @@
               </a:defRPr>
             </a:pPr>
             <a:r>
-              <a:t>This allows for powerful features such as internal snapshots, transparent compression, and encryption directly within the file itself.</a:t>
+              <a:t>However, this simplicity comes at a cost; creating a 100GB Raw disk immediately consumes 100GB of physical space (unless sparse provisioning is strictly enforced), and it does not support advanced features like internal snapshots.</a:t>
             </a:r>
           </a:p>
           <a:p>
@@ -6715,7 +6847,7 @@
               </a:defRPr>
             </a:pPr>
             <a:r>
-              <a:t>While this abstraction layer introduces a minor performance overhead compared to Raw, the flexibility it offers—particularly the ability to grow the disk file dynamically as data is added—makes it the standard choice for file-based storage backends like NFS or local directories.</a:t>
+              <a:t>If you require snapshot capabilities with Raw disks, you must rely on the underlying storage system, such as LVM-Thin or ZFS, to handle them.</a:t>
             </a:r>
           </a:p>
         </p:txBody>
@@ -6800,7 +6932,7 @@
               </a:defRPr>
             </a:pPr>
             <a:r>
-              <a:t>4.3 Summary Comparison (Part 1)</a:t>
+              <a:t>4.2 QCOW2 (QEMU Copy On Write)</a:t>
             </a:r>
           </a:p>
         </p:txBody>
@@ -6841,7 +6973,7 @@
               </a:defRPr>
             </a:pPr>
             <a:r>
-              <a:t>Raw: Fast, pre-allocated, simple. Good for Ceph/LVM.</a:t>
+              <a:t>QCOW2 is a functional, feature-rich format designed specifically for the QEMU emulator.</a:t>
             </a:r>
           </a:p>
           <a:p>
@@ -6859,7 +6991,7 @@
               </a:defRPr>
             </a:pPr>
             <a:r>
-              <a:t>QCOW2: Flexible, thin-provisioned, internal snapshots. Good for Directory/NFS.</a:t>
+              <a:t>Unlike Raw, it acts as an intelligent container that creates a layer of abstraction between the VM and the physical disk.</a:t>
             </a:r>
           </a:p>
           <a:p>
@@ -6877,7 +7009,7 @@
               </a:defRPr>
             </a:pPr>
             <a:r>
-              <a:t>Trade-off is usually Performance vs Flexibility.</a:t>
+              <a:t>This allows for powerful features such as internal snapshots, transparent compression, and encryption directly within the file itself.</a:t>
             </a:r>
           </a:p>
           <a:p>
@@ -6895,25 +7027,7 @@
               </a:defRPr>
             </a:pPr>
             <a:r>
-              <a:t>Why can't you take an internal snapshot on a Raw disk?</a:t>
-            </a:r>
-          </a:p>
-          <a:p>
-            <a:pPr>
-              <a:spcBef>
-                <a:spcPts val="800"/>
-              </a:spcBef>
-              <a:spcAft>
-                <a:spcPts val="800"/>
-              </a:spcAft>
-              <a:defRPr sz="2000">
-                <a:solidFill>
-                  <a:srgbClr val="FFFFFF"/>
-                </a:solidFill>
-              </a:defRPr>
-            </a:pPr>
-            <a:r>
-              <a:t>How does "sparse provisioning" differ from "thin provisioning"?</a:t>
+              <a:t>While this abstraction layer introduces a minor performance overhead compared to Raw, the flexibility it offers—particularly the ability to grow the disk file dynamically as data is added—makes it the standard choice for file-based storage backends like NFS or local directories.</a:t>
             </a:r>
           </a:p>
         </p:txBody>
@@ -6998,7 +7112,7 @@
               </a:defRPr>
             </a:pPr>
             <a:r>
-              <a:t>4.3 Summary Comparison (Part 2)</a:t>
+              <a:t>4.3 Summary Comparison (Part 1)</a:t>
             </a:r>
           </a:p>
         </p:txBody>
@@ -7039,7 +7153,79 @@
               </a:defRPr>
             </a:pPr>
             <a:r>
-              <a:t>QEMU Disk Images</a:t>
+              <a:t>Raw: Fast, pre-allocated, simple. Good for Ceph/LVM.</a:t>
+            </a:r>
+          </a:p>
+          <a:p>
+            <a:pPr>
+              <a:spcBef>
+                <a:spcPts val="800"/>
+              </a:spcBef>
+              <a:spcAft>
+                <a:spcPts val="800"/>
+              </a:spcAft>
+              <a:defRPr sz="2000">
+                <a:solidFill>
+                  <a:srgbClr val="FFFFFF"/>
+                </a:solidFill>
+              </a:defRPr>
+            </a:pPr>
+            <a:r>
+              <a:t>QCOW2: Flexible, thin-provisioned, internal snapshots. Good for Directory/NFS.</a:t>
+            </a:r>
+          </a:p>
+          <a:p>
+            <a:pPr>
+              <a:spcBef>
+                <a:spcPts val="800"/>
+              </a:spcBef>
+              <a:spcAft>
+                <a:spcPts val="800"/>
+              </a:spcAft>
+              <a:defRPr sz="2000">
+                <a:solidFill>
+                  <a:srgbClr val="FFFFFF"/>
+                </a:solidFill>
+              </a:defRPr>
+            </a:pPr>
+            <a:r>
+              <a:t>Trade-off is usually Performance vs Flexibility.</a:t>
+            </a:r>
+          </a:p>
+          <a:p>
+            <a:pPr>
+              <a:spcBef>
+                <a:spcPts val="800"/>
+              </a:spcBef>
+              <a:spcAft>
+                <a:spcPts val="800"/>
+              </a:spcAft>
+              <a:defRPr sz="2000">
+                <a:solidFill>
+                  <a:srgbClr val="FFFFFF"/>
+                </a:solidFill>
+              </a:defRPr>
+            </a:pPr>
+            <a:r>
+              <a:t>Why can't you take an internal snapshot on a Raw disk?</a:t>
+            </a:r>
+          </a:p>
+          <a:p>
+            <a:pPr>
+              <a:spcBef>
+                <a:spcPts val="800"/>
+              </a:spcBef>
+              <a:spcAft>
+                <a:spcPts val="800"/>
+              </a:spcAft>
+              <a:defRPr sz="2000">
+                <a:solidFill>
+                  <a:srgbClr val="FFFFFF"/>
+                </a:solidFill>
+              </a:defRPr>
+            </a:pPr>
+            <a:r>
+              <a:t>How does "sparse provisioning" differ from "thin provisioning"?</a:t>
             </a:r>
           </a:p>
         </p:txBody>
@@ -7058,7 +7244,7 @@
     <p:bg>
       <p:bgPr>
         <a:solidFill>
-          <a:srgbClr val="1E3A5F"/>
+          <a:srgbClr val="142A46"/>
         </a:solidFill>
         <a:effectLst/>
       </p:bgPr>
@@ -7102,8 +7288,8 @@
         </p:nvSpPr>
         <p:spPr>
           <a:xfrm>
-            <a:off x="914400" y="2286000"/>
-            <a:ext cx="7315200" cy="1828800"/>
+            <a:off x="457200" y="914400"/>
+            <a:ext cx="8229600" cy="640080"/>
           </a:xfrm>
           <a:prstGeom prst="rect">
             <a:avLst/>
@@ -7111,20 +7297,61 @@
           <a:noFill/>
         </p:spPr>
         <p:txBody>
+          <a:bodyPr wrap="none">
+            <a:spAutoFit/>
+          </a:bodyPr>
+          <a:lstStyle/>
+          <a:p>
+            <a:pPr>
+              <a:defRPr sz="3200" b="1">
+                <a:solidFill>
+                  <a:srgbClr val="C9984A"/>
+                </a:solidFill>
+              </a:defRPr>
+            </a:pPr>
+            <a:r>
+              <a:t>4.3 Summary Comparison (Part 2)</a:t>
+            </a:r>
+          </a:p>
+        </p:txBody>
+      </p:sp>
+      <p:sp>
+        <p:nvSpPr>
+          <p:cNvPr id="4" name="TextBox 3"/>
+          <p:cNvSpPr txBox="1"/>
+          <p:nvPr/>
+        </p:nvSpPr>
+        <p:spPr>
+          <a:xfrm>
+            <a:off x="731520" y="1737360"/>
+            <a:ext cx="7680960" cy="4389120"/>
+          </a:xfrm>
+          <a:prstGeom prst="rect">
+            <a:avLst/>
+          </a:prstGeom>
+          <a:noFill/>
+        </p:spPr>
+        <p:txBody>
           <a:bodyPr wrap="square">
             <a:spAutoFit/>
           </a:bodyPr>
           <a:lstStyle/>
           <a:p>
-            <a:pPr algn="ctr">
-              <a:defRPr sz="4800" b="1">
-                <a:solidFill>
-                  <a:srgbClr val="C9984A"/>
+            <a:pPr>
+              <a:spcBef>
+                <a:spcPts val="800"/>
+              </a:spcBef>
+              <a:spcAft>
+                <a:spcPts val="800"/>
+              </a:spcAft>
+              <a:defRPr sz="2000">
+                <a:solidFill>
+                  <a:srgbClr val="FFFFFF"/>
                 </a:solidFill>
               </a:defRPr>
             </a:pPr>
             <a:r>
-              <a:t>8. Additional Resources</a:t>
+              <a:t>QEMU Disk Images</a:t>
             </a:r>
           </a:p>
         </p:txBody>
@@ -7209,7 +7436,7 @@
               </a:defRPr>
             </a:pPr>
             <a:r>
-              <a:t>9. Lab Exercises</a:t>
+              <a:t>8. Additional Resources</a:t>
             </a:r>
           </a:p>
         </p:txBody>
@@ -7294,6 +7521,91 @@
               </a:defRPr>
             </a:pPr>
             <a:r>
+              <a:t>9. Lab Exercises</a:t>
+            </a:r>
+          </a:p>
+        </p:txBody>
+      </p:sp>
+    </p:spTree>
+  </p:cSld>
+  <p:clrMapOvr>
+    <a:masterClrMapping/>
+  </p:clrMapOvr>
+</p:sld>
+</file>
+
+<file path=ppt/slides/slide26.xml><?xml version="1.0" encoding="utf-8"?>
+<p:sld xmlns:a="http://schemas.openxmlformats.org/drawingml/2006/main" xmlns:p="http://schemas.openxmlformats.org/presentationml/2006/main" xmlns:r="http://schemas.openxmlformats.org/officeDocument/2006/relationships">
+  <p:cSld>
+    <p:bg>
+      <p:bgPr>
+        <a:solidFill>
+          <a:srgbClr val="1E3A5F"/>
+        </a:solidFill>
+        <a:effectLst/>
+      </p:bgPr>
+    </p:bg>
+    <p:spTree>
+      <p:nvGrpSpPr>
+        <p:cNvPr id="1" name=""/>
+        <p:cNvGrpSpPr/>
+        <p:nvPr/>
+      </p:nvGrpSpPr>
+      <p:grpSpPr/>
+      <p:pic>
+        <p:nvPicPr>
+          <p:cNvPr id="2" name="Picture 1" descr="ops3_logo.png"/>
+          <p:cNvPicPr>
+            <a:picLocks noChangeAspect="1"/>
+          </p:cNvPicPr>
+          <p:nvPr/>
+        </p:nvPicPr>
+        <p:blipFill>
+          <a:blip r:embed="rId2"/>
+          <a:stretch>
+            <a:fillRect/>
+          </a:stretch>
+        </p:blipFill>
+        <p:spPr>
+          <a:xfrm>
+            <a:off x="274320" y="274320"/>
+            <a:ext cx="581649" cy="548640"/>
+          </a:xfrm>
+          <a:prstGeom prst="rect">
+            <a:avLst/>
+          </a:prstGeom>
+        </p:spPr>
+      </p:pic>
+      <p:sp>
+        <p:nvSpPr>
+          <p:cNvPr id="3" name="TextBox 2"/>
+          <p:cNvSpPr txBox="1"/>
+          <p:nvPr/>
+        </p:nvSpPr>
+        <p:spPr>
+          <a:xfrm>
+            <a:off x="914400" y="2286000"/>
+            <a:ext cx="7315200" cy="1828800"/>
+          </a:xfrm>
+          <a:prstGeom prst="rect">
+            <a:avLst/>
+          </a:prstGeom>
+          <a:noFill/>
+        </p:spPr>
+        <p:txBody>
+          <a:bodyPr wrap="square">
+            <a:spAutoFit/>
+          </a:bodyPr>
+          <a:lstStyle/>
+          <a:p>
+            <a:pPr algn="ctr">
+              <a:defRPr sz="4800" b="1">
+                <a:solidFill>
+                  <a:srgbClr val="C9984A"/>
+                </a:solidFill>
+              </a:defRPr>
+            </a:pPr>
+            <a:r>
               <a:t>Summary</a:t>
             </a:r>
           </a:p>
@@ -7379,7 +7691,7 @@
               </a:defRPr>
             </a:pPr>
             <a:r>
-              <a:t>What You'll Learn This Week</a:t>
+              <a:t>Welcome to Week 4!</a:t>
             </a:r>
           </a:p>
         </p:txBody>
@@ -7464,7 +7776,7 @@
               </a:defRPr>
             </a:pPr>
             <a:r>
-              <a:t>1. Block Devices and Partitions</a:t>
+              <a:t>What You'll Learn This Week</a:t>
             </a:r>
           </a:p>
         </p:txBody>
@@ -7483,7 +7795,7 @@
     <p:bg>
       <p:bgPr>
         <a:solidFill>
-          <a:srgbClr val="142A46"/>
+          <a:srgbClr val="1E3A5F"/>
         </a:solidFill>
         <a:effectLst/>
       </p:bgPr>
@@ -7527,8 +7839,8 @@
         </p:nvSpPr>
         <p:spPr>
           <a:xfrm>
-            <a:off x="457200" y="914400"/>
-            <a:ext cx="8229600" cy="640080"/>
+            <a:off x="914400" y="2286000"/>
+            <a:ext cx="7315200" cy="1828800"/>
           </a:xfrm>
           <a:prstGeom prst="rect">
             <a:avLst/>
@@ -7536,133 +7848,20 @@
           <a:noFill/>
         </p:spPr>
         <p:txBody>
-          <a:bodyPr wrap="none">
-            <a:spAutoFit/>
-          </a:bodyPr>
-          <a:lstStyle/>
-          <a:p>
-            <a:pPr>
-              <a:defRPr sz="3200" b="1">
-                <a:solidFill>
-                  <a:srgbClr val="C9984A"/>
-                </a:solidFill>
-              </a:defRPr>
-            </a:pPr>
-            <a:r>
-              <a:t>1.1 Examining Storage</a:t>
-            </a:r>
-          </a:p>
-        </p:txBody>
-      </p:sp>
-      <p:sp>
-        <p:nvSpPr>
-          <p:cNvPr id="4" name="TextBox 3"/>
-          <p:cNvSpPr txBox="1"/>
-          <p:nvPr/>
-        </p:nvSpPr>
-        <p:spPr>
-          <a:xfrm>
-            <a:off x="731520" y="1737360"/>
-            <a:ext cx="7680960" cy="4389120"/>
-          </a:xfrm>
-          <a:prstGeom prst="rect">
-            <a:avLst/>
-          </a:prstGeom>
-          <a:noFill/>
-        </p:spPr>
-        <p:txBody>
           <a:bodyPr wrap="square">
             <a:spAutoFit/>
           </a:bodyPr>
           <a:lstStyle/>
           <a:p>
-            <a:pPr>
-              <a:spcBef>
-                <a:spcPts val="800"/>
-              </a:spcBef>
-              <a:spcAft>
-                <a:spcPts val="800"/>
-              </a:spcAft>
-              <a:defRPr sz="2000">
-                <a:solidFill>
-                  <a:srgbClr val="FFFFFF"/>
+            <a:pPr algn="ctr">
+              <a:defRPr sz="4800" b="1">
+                <a:solidFill>
+                  <a:srgbClr val="C9984A"/>
                 </a:solidFill>
               </a:defRPr>
             </a:pPr>
             <a:r>
-              <a:t>One of the most powerful diagnostic tools in Linux is lsblk (List Block Devices), which provides a visual tree representation of all connected storage devices.</a:t>
-            </a:r>
-          </a:p>
-          <a:p>
-            <a:pPr>
-              <a:spcBef>
-                <a:spcPts val="800"/>
-              </a:spcBef>
-              <a:spcAft>
-                <a:spcPts val="800"/>
-              </a:spcAft>
-              <a:defRPr sz="2000">
-                <a:solidFill>
-                  <a:srgbClr val="FFFFFF"/>
-                </a:solidFill>
-              </a:defRPr>
-            </a:pPr>
-            <a:r>
-              <a:t>When you run this command in the terminal, it displays a hierarchical view that shows physical disks, their partitions, and any logical volumes built on top of them.</a:t>
-            </a:r>
-          </a:p>
-          <a:p>
-            <a:pPr>
-              <a:spcBef>
-                <a:spcPts val="800"/>
-              </a:spcBef>
-              <a:spcAft>
-                <a:spcPts val="800"/>
-              </a:spcAft>
-              <a:defRPr sz="2000">
-                <a:solidFill>
-                  <a:srgbClr val="FFFFFF"/>
-                </a:solidFill>
-              </a:defRPr>
-            </a:pPr>
-            <a:r>
-              <a:t>This tree structure makes it immediately clear which partitions belong to which disks and how storage is organized across the system.</a:t>
-            </a:r>
-          </a:p>
-          <a:p>
-            <a:pPr>
-              <a:spcBef>
-                <a:spcPts val="800"/>
-              </a:spcBef>
-              <a:spcAft>
-                <a:spcPts val="800"/>
-              </a:spcAft>
-              <a:defRPr sz="2000">
-                <a:solidFill>
-                  <a:srgbClr val="FFFFFF"/>
-                </a:solidFill>
-              </a:defRPr>
-            </a:pPr>
-            <a:r>
-              <a:t>For administrators managing Proxmox servers, lsblk is indispensable for quickly understanding storage topology without needing to parse complex configuration files.</a:t>
-            </a:r>
-          </a:p>
-          <a:p>
-            <a:pPr>
-              <a:spcBef>
-                <a:spcPts val="800"/>
-              </a:spcBef>
-              <a:spcAft>
-                <a:spcPts val="800"/>
-              </a:spcAft>
-              <a:defRPr sz="2000">
-                <a:solidFill>
-                  <a:srgbClr val="FFFFFF"/>
-                </a:solidFill>
-              </a:defRPr>
-            </a:pPr>
-            <a:r>
-              <a:t>The diagram below illustrates how Linux represents different types of storage devices and their partition schemes:</a:t>
+              <a:t>1. Block Devices and Partitions</a:t>
             </a:r>
           </a:p>
         </p:txBody>
@@ -7747,7 +7946,7 @@
               </a:defRPr>
             </a:pPr>
             <a:r>
-              <a:t>1.2 Managing Partitions (fdisk)</a:t>
+              <a:t>1.1 Examining Storage</a:t>
             </a:r>
           </a:p>
         </p:txBody>
@@ -7788,7 +7987,79 @@
               </a:defRPr>
             </a:pPr>
             <a:r>
-              <a:t>To create a formatted space on a disk, we use fdisk or parted.</a:t>
+              <a:t>One of the most powerful diagnostic tools in Linux is lsblk (List Block Devices), which provides a visual tree representation of all connected storage devices.</a:t>
+            </a:r>
+          </a:p>
+          <a:p>
+            <a:pPr>
+              <a:spcBef>
+                <a:spcPts val="800"/>
+              </a:spcBef>
+              <a:spcAft>
+                <a:spcPts val="800"/>
+              </a:spcAft>
+              <a:defRPr sz="2000">
+                <a:solidFill>
+                  <a:srgbClr val="FFFFFF"/>
+                </a:solidFill>
+              </a:defRPr>
+            </a:pPr>
+            <a:r>
+              <a:t>When you run this command in the terminal, it displays a hierarchical view that shows physical disks, their partitions, and any logical volumes built on top of them.</a:t>
+            </a:r>
+          </a:p>
+          <a:p>
+            <a:pPr>
+              <a:spcBef>
+                <a:spcPts val="800"/>
+              </a:spcBef>
+              <a:spcAft>
+                <a:spcPts val="800"/>
+              </a:spcAft>
+              <a:defRPr sz="2000">
+                <a:solidFill>
+                  <a:srgbClr val="FFFFFF"/>
+                </a:solidFill>
+              </a:defRPr>
+            </a:pPr>
+            <a:r>
+              <a:t>This tree structure makes it immediately clear which partitions belong to which disks and how storage is organized across the system.</a:t>
+            </a:r>
+          </a:p>
+          <a:p>
+            <a:pPr>
+              <a:spcBef>
+                <a:spcPts val="800"/>
+              </a:spcBef>
+              <a:spcAft>
+                <a:spcPts val="800"/>
+              </a:spcAft>
+              <a:defRPr sz="2000">
+                <a:solidFill>
+                  <a:srgbClr val="FFFFFF"/>
+                </a:solidFill>
+              </a:defRPr>
+            </a:pPr>
+            <a:r>
+              <a:t>For administrators managing Proxmox servers, lsblk is indispensable for quickly understanding storage topology without needing to parse complex configuration files.</a:t>
+            </a:r>
+          </a:p>
+          <a:p>
+            <a:pPr>
+              <a:spcBef>
+                <a:spcPts val="800"/>
+              </a:spcBef>
+              <a:spcAft>
+                <a:spcPts val="800"/>
+              </a:spcAft>
+              <a:defRPr sz="2000">
+                <a:solidFill>
+                  <a:srgbClr val="FFFFFF"/>
+                </a:solidFill>
+              </a:defRPr>
+            </a:pPr>
+            <a:r>
+              <a:t>The diagram below illustrates how Linux represents different types of storage devices and their partition schemes:</a:t>
             </a:r>
           </a:p>
         </p:txBody>
@@ -7873,7 +8144,7 @@
               </a:defRPr>
             </a:pPr>
             <a:r>
-              <a:t>Section 1 Checkpoint</a:t>
+              <a:t>1.2 Managing Partitions (fdisk)</a:t>
             </a:r>
           </a:p>
         </p:txBody>
@@ -7914,43 +8185,7 @@
               </a:defRPr>
             </a:pPr>
             <a:r>
-              <a:t>Summary: Linux treats disks as Block Devices (such as /dev/sda), and the lsblk command visualizes the storage hierarchy in a tree format while fdisk is used to create partitions.</a:t>
-            </a:r>
-          </a:p>
-          <a:p>
-            <a:pPr>
-              <a:spcBef>
-                <a:spcPts val="800"/>
-              </a:spcBef>
-              <a:spcAft>
-                <a:spcPts val="800"/>
-              </a:spcAft>
-              <a:defRPr sz="2000">
-                <a:solidFill>
-                  <a:srgbClr val="FFFFFF"/>
-                </a:solidFill>
-              </a:defRPr>
-            </a:pPr>
-            <a:r>
-              <a:t>It is important to understand that Proxmox needs the underlying operating system to recognize and manage the disk before it can use it for virtual machine storage.</a:t>
-            </a:r>
-          </a:p>
-          <a:p>
-            <a:pPr>
-              <a:spcBef>
-                <a:spcPts val="800"/>
-              </a:spcBef>
-              <a:spcAft>
-                <a:spcPts val="800"/>
-              </a:spcAft>
-              <a:defRPr sz="2000">
-                <a:solidFill>
-                  <a:srgbClr val="FFFFFF"/>
-                </a:solidFill>
-              </a:defRPr>
-            </a:pPr>
-            <a:r>
-              <a:t>Arch Wiki: Fdisk</a:t>
+              <a:t>To create a formatted space on a disk, we use fdisk or parted.</a:t>
             </a:r>
           </a:p>
         </p:txBody>
@@ -7964,6 +8199,168 @@
 </file>
 
 <file path=ppt/slides/slide8.xml><?xml version="1.0" encoding="utf-8"?>
+<p:sld xmlns:a="http://schemas.openxmlformats.org/drawingml/2006/main" xmlns:p="http://schemas.openxmlformats.org/presentationml/2006/main" xmlns:r="http://schemas.openxmlformats.org/officeDocument/2006/relationships">
+  <p:cSld>
+    <p:bg>
+      <p:bgPr>
+        <a:solidFill>
+          <a:srgbClr val="142A46"/>
+        </a:solidFill>
+        <a:effectLst/>
+      </p:bgPr>
+    </p:bg>
+    <p:spTree>
+      <p:nvGrpSpPr>
+        <p:cNvPr id="1" name=""/>
+        <p:cNvGrpSpPr/>
+        <p:nvPr/>
+      </p:nvGrpSpPr>
+      <p:grpSpPr/>
+      <p:pic>
+        <p:nvPicPr>
+          <p:cNvPr id="2" name="Picture 1" descr="ops3_logo.png"/>
+          <p:cNvPicPr>
+            <a:picLocks noChangeAspect="1"/>
+          </p:cNvPicPr>
+          <p:nvPr/>
+        </p:nvPicPr>
+        <p:blipFill>
+          <a:blip r:embed="rId2"/>
+          <a:stretch>
+            <a:fillRect/>
+          </a:stretch>
+        </p:blipFill>
+        <p:spPr>
+          <a:xfrm>
+            <a:off x="274320" y="274320"/>
+            <a:ext cx="581649" cy="548640"/>
+          </a:xfrm>
+          <a:prstGeom prst="rect">
+            <a:avLst/>
+          </a:prstGeom>
+        </p:spPr>
+      </p:pic>
+      <p:sp>
+        <p:nvSpPr>
+          <p:cNvPr id="3" name="TextBox 2"/>
+          <p:cNvSpPr txBox="1"/>
+          <p:nvPr/>
+        </p:nvSpPr>
+        <p:spPr>
+          <a:xfrm>
+            <a:off x="457200" y="914400"/>
+            <a:ext cx="8229600" cy="640080"/>
+          </a:xfrm>
+          <a:prstGeom prst="rect">
+            <a:avLst/>
+          </a:prstGeom>
+          <a:noFill/>
+        </p:spPr>
+        <p:txBody>
+          <a:bodyPr wrap="none">
+            <a:spAutoFit/>
+          </a:bodyPr>
+          <a:lstStyle/>
+          <a:p>
+            <a:pPr>
+              <a:defRPr sz="3200" b="1">
+                <a:solidFill>
+                  <a:srgbClr val="C9984A"/>
+                </a:solidFill>
+              </a:defRPr>
+            </a:pPr>
+            <a:r>
+              <a:t>Section 1 Checkpoint</a:t>
+            </a:r>
+          </a:p>
+        </p:txBody>
+      </p:sp>
+      <p:sp>
+        <p:nvSpPr>
+          <p:cNvPr id="4" name="TextBox 3"/>
+          <p:cNvSpPr txBox="1"/>
+          <p:nvPr/>
+        </p:nvSpPr>
+        <p:spPr>
+          <a:xfrm>
+            <a:off x="731520" y="1737360"/>
+            <a:ext cx="7680960" cy="4389120"/>
+          </a:xfrm>
+          <a:prstGeom prst="rect">
+            <a:avLst/>
+          </a:prstGeom>
+          <a:noFill/>
+        </p:spPr>
+        <p:txBody>
+          <a:bodyPr wrap="square">
+            <a:spAutoFit/>
+          </a:bodyPr>
+          <a:lstStyle/>
+          <a:p>
+            <a:pPr>
+              <a:spcBef>
+                <a:spcPts val="800"/>
+              </a:spcBef>
+              <a:spcAft>
+                <a:spcPts val="800"/>
+              </a:spcAft>
+              <a:defRPr sz="2000">
+                <a:solidFill>
+                  <a:srgbClr val="FFFFFF"/>
+                </a:solidFill>
+              </a:defRPr>
+            </a:pPr>
+            <a:r>
+              <a:t>Summary: Linux treats disks as Block Devices (such as /dev/sda), and the lsblk command visualizes the storage hierarchy in a tree format while fdisk is used to create partitions.</a:t>
+            </a:r>
+          </a:p>
+          <a:p>
+            <a:pPr>
+              <a:spcBef>
+                <a:spcPts val="800"/>
+              </a:spcBef>
+              <a:spcAft>
+                <a:spcPts val="800"/>
+              </a:spcAft>
+              <a:defRPr sz="2000">
+                <a:solidFill>
+                  <a:srgbClr val="FFFFFF"/>
+                </a:solidFill>
+              </a:defRPr>
+            </a:pPr>
+            <a:r>
+              <a:t>It is important to understand that Proxmox needs the underlying operating system to recognize and manage the disk before it can use it for virtual machine storage.</a:t>
+            </a:r>
+          </a:p>
+          <a:p>
+            <a:pPr>
+              <a:spcBef>
+                <a:spcPts val="800"/>
+              </a:spcBef>
+              <a:spcAft>
+                <a:spcPts val="800"/>
+              </a:spcAft>
+              <a:defRPr sz="2000">
+                <a:solidFill>
+                  <a:srgbClr val="FFFFFF"/>
+                </a:solidFill>
+              </a:defRPr>
+            </a:pPr>
+            <a:r>
+              <a:t>Arch Wiki: Fdisk</a:t>
+            </a:r>
+          </a:p>
+        </p:txBody>
+      </p:sp>
+    </p:spTree>
+  </p:cSld>
+  <p:clrMapOvr>
+    <a:masterClrMapping/>
+  </p:clrMapOvr>
+</p:sld>
+</file>
+
+<file path=ppt/slides/slide9.xml><?xml version="1.0" encoding="utf-8"?>
 <p:sld xmlns:a="http://schemas.openxmlformats.org/drawingml/2006/main" xmlns:p="http://schemas.openxmlformats.org/presentationml/2006/main" xmlns:r="http://schemas.openxmlformats.org/officeDocument/2006/relationships">
   <p:cSld>
     <p:bg>
@@ -8036,186 +8433,6 @@
             </a:pPr>
             <a:r>
               <a:t>2. Logical Volume Manager (LVM)</a:t>
-            </a:r>
-          </a:p>
-        </p:txBody>
-      </p:sp>
-    </p:spTree>
-  </p:cSld>
-  <p:clrMapOvr>
-    <a:masterClrMapping/>
-  </p:clrMapOvr>
-</p:sld>
-</file>
-
-<file path=ppt/slides/slide9.xml><?xml version="1.0" encoding="utf-8"?>
-<p:sld xmlns:a="http://schemas.openxmlformats.org/drawingml/2006/main" xmlns:p="http://schemas.openxmlformats.org/presentationml/2006/main" xmlns:r="http://schemas.openxmlformats.org/officeDocument/2006/relationships">
-  <p:cSld>
-    <p:bg>
-      <p:bgPr>
-        <a:solidFill>
-          <a:srgbClr val="142A46"/>
-        </a:solidFill>
-        <a:effectLst/>
-      </p:bgPr>
-    </p:bg>
-    <p:spTree>
-      <p:nvGrpSpPr>
-        <p:cNvPr id="1" name=""/>
-        <p:cNvGrpSpPr/>
-        <p:nvPr/>
-      </p:nvGrpSpPr>
-      <p:grpSpPr/>
-      <p:pic>
-        <p:nvPicPr>
-          <p:cNvPr id="2" name="Picture 1" descr="ops3_logo.png"/>
-          <p:cNvPicPr>
-            <a:picLocks noChangeAspect="1"/>
-          </p:cNvPicPr>
-          <p:nvPr/>
-        </p:nvPicPr>
-        <p:blipFill>
-          <a:blip r:embed="rId2"/>
-          <a:stretch>
-            <a:fillRect/>
-          </a:stretch>
-        </p:blipFill>
-        <p:spPr>
-          <a:xfrm>
-            <a:off x="274320" y="274320"/>
-            <a:ext cx="581649" cy="548640"/>
-          </a:xfrm>
-          <a:prstGeom prst="rect">
-            <a:avLst/>
-          </a:prstGeom>
-        </p:spPr>
-      </p:pic>
-      <p:sp>
-        <p:nvSpPr>
-          <p:cNvPr id="3" name="TextBox 2"/>
-          <p:cNvSpPr txBox="1"/>
-          <p:nvPr/>
-        </p:nvSpPr>
-        <p:spPr>
-          <a:xfrm>
-            <a:off x="457200" y="914400"/>
-            <a:ext cx="8229600" cy="640080"/>
-          </a:xfrm>
-          <a:prstGeom prst="rect">
-            <a:avLst/>
-          </a:prstGeom>
-          <a:noFill/>
-        </p:spPr>
-        <p:txBody>
-          <a:bodyPr wrap="none">
-            <a:spAutoFit/>
-          </a:bodyPr>
-          <a:lstStyle/>
-          <a:p>
-            <a:pPr>
-              <a:defRPr sz="3200" b="1">
-                <a:solidFill>
-                  <a:srgbClr val="C9984A"/>
-                </a:solidFill>
-              </a:defRPr>
-            </a:pPr>
-            <a:r>
-              <a:t>2.1 The LVM Hierarchy</a:t>
-            </a:r>
-          </a:p>
-        </p:txBody>
-      </p:sp>
-      <p:sp>
-        <p:nvSpPr>
-          <p:cNvPr id="4" name="TextBox 3"/>
-          <p:cNvSpPr txBox="1"/>
-          <p:nvPr/>
-        </p:nvSpPr>
-        <p:spPr>
-          <a:xfrm>
-            <a:off x="731520" y="1737360"/>
-            <a:ext cx="7680960" cy="4389120"/>
-          </a:xfrm>
-          <a:prstGeom prst="rect">
-            <a:avLst/>
-          </a:prstGeom>
-          <a:noFill/>
-        </p:spPr>
-        <p:txBody>
-          <a:bodyPr wrap="square">
-            <a:spAutoFit/>
-          </a:bodyPr>
-          <a:lstStyle/>
-          <a:p>
-            <a:pPr>
-              <a:spcBef>
-                <a:spcPts val="800"/>
-              </a:spcBef>
-              <a:spcAft>
-                <a:spcPts val="800"/>
-              </a:spcAft>
-              <a:defRPr sz="2000">
-                <a:solidFill>
-                  <a:srgbClr val="FFFFFF"/>
-                </a:solidFill>
-              </a:defRPr>
-            </a:pPr>
-            <a:r>
-              <a:t>The hierarchy consists of three layers.</a:t>
-            </a:r>
-          </a:p>
-          <a:p>
-            <a:pPr>
-              <a:spcBef>
-                <a:spcPts val="800"/>
-              </a:spcBef>
-              <a:spcAft>
-                <a:spcPts val="800"/>
-              </a:spcAft>
-              <a:defRPr sz="2000">
-                <a:solidFill>
-                  <a:srgbClr val="FFFFFF"/>
-                </a:solidFill>
-              </a:defRPr>
-            </a:pPr>
-            <a:r>
-              <a:t>At the foundation is the Physical Volume (PV), which represents the actual disk or partition (for example, /dev/sdb).</a:t>
-            </a:r>
-          </a:p>
-          <a:p>
-            <a:pPr>
-              <a:spcBef>
-                <a:spcPts val="800"/>
-              </a:spcBef>
-              <a:spcAft>
-                <a:spcPts val="800"/>
-              </a:spcAft>
-              <a:defRPr sz="2000">
-                <a:solidFill>
-                  <a:srgbClr val="FFFFFF"/>
-                </a:solidFill>
-              </a:defRPr>
-            </a:pPr>
-            <a:r>
-              <a:t>These physical volumes are then combined into a Volume Group (VG), which acts as a unified storage pool—for instance, a data_pool might aggregate multiple drives to provide 500GB of total capacity.</a:t>
-            </a:r>
-          </a:p>
-          <a:p>
-            <a:pPr>
-              <a:spcBef>
-                <a:spcPts val="800"/>
-              </a:spcBef>
-              <a:spcAft>
-                <a:spcPts val="800"/>
-              </a:spcAft>
-              <a:defRPr sz="2000">
-                <a:solidFill>
-                  <a:srgbClr val="FFFFFF"/>
-                </a:solidFill>
-              </a:defRPr>
-            </a:pPr>
-            <a:r>
-              <a:t>Finally, Logical Volumes (LV) are carved out from the volume group and allocated for specific uses, such as vm-100-disk for a virtual machine.</a:t>
             </a:r>
           </a:p>
         </p:txBody>
